--- a/Detail Project Report.pptx
+++ b/Detail Project Report.pptx
@@ -5,7 +5,7 @@
     <p:sldMasterId id="2147483659" r:id="rId1"/>
   </p:sldMasterIdLst>
   <p:notesMasterIdLst>
-    <p:notesMasterId r:id="rId13"/>
+    <p:notesMasterId r:id="rId11"/>
   </p:notesMasterIdLst>
   <p:sldIdLst>
     <p:sldId id="256" r:id="rId2"/>
@@ -16,31 +16,29 @@
     <p:sldId id="261" r:id="rId7"/>
     <p:sldId id="262" r:id="rId8"/>
     <p:sldId id="263" r:id="rId9"/>
-    <p:sldId id="264" r:id="rId10"/>
-    <p:sldId id="265" r:id="rId11"/>
-    <p:sldId id="266" r:id="rId12"/>
+    <p:sldId id="265" r:id="rId10"/>
   </p:sldIdLst>
   <p:sldSz cx="9144000" cy="5143500" type="screen16x9"/>
   <p:notesSz cx="6858000" cy="9144000"/>
   <p:embeddedFontLst>
     <p:embeddedFont>
       <p:font typeface="Maven Pro" panose="020B0604020202020204" charset="0"/>
-      <p:regular r:id="rId14"/>
-      <p:bold r:id="rId15"/>
+      <p:regular r:id="rId12"/>
+      <p:bold r:id="rId13"/>
     </p:embeddedFont>
     <p:embeddedFont>
       <p:font typeface="Nunito" pitchFamily="2" charset="0"/>
-      <p:regular r:id="rId16"/>
-      <p:bold r:id="rId17"/>
-      <p:italic r:id="rId18"/>
-      <p:boldItalic r:id="rId19"/>
+      <p:regular r:id="rId14"/>
+      <p:bold r:id="rId15"/>
+      <p:italic r:id="rId16"/>
+      <p:boldItalic r:id="rId17"/>
     </p:embeddedFont>
     <p:embeddedFont>
       <p:font typeface="Roboto" panose="02000000000000000000" pitchFamily="2" charset="0"/>
-      <p:regular r:id="rId20"/>
-      <p:bold r:id="rId21"/>
-      <p:italic r:id="rId22"/>
-      <p:boldItalic r:id="rId23"/>
+      <p:regular r:id="rId18"/>
+      <p:bold r:id="rId19"/>
+      <p:italic r:id="rId20"/>
+      <p:boldItalic r:id="rId21"/>
     </p:embeddedFont>
   </p:embeddedFontLst>
   <p:defaultTextStyle>
@@ -836,214 +834,6 @@
 </p:notes>
 </file>
 
-<file path=ppt/notesSlides/notesSlide10.xml><?xml version="1.0" encoding="utf-8"?>
-<p:notes xmlns:a="http://schemas.openxmlformats.org/drawingml/2006/main" xmlns:r="http://schemas.openxmlformats.org/officeDocument/2006/relationships" xmlns:p="http://schemas.openxmlformats.org/presentationml/2006/main" showMasterSp="0" showMasterPhAnim="0">
-  <p:cSld>
-    <p:spTree>
-      <p:nvGrpSpPr>
-        <p:cNvPr id="1" name="Shape 326"/>
-        <p:cNvGrpSpPr/>
-        <p:nvPr/>
-      </p:nvGrpSpPr>
-      <p:grpSpPr>
-        <a:xfrm>
-          <a:off x="0" y="0"/>
-          <a:ext cx="0" cy="0"/>
-          <a:chOff x="0" y="0"/>
-          <a:chExt cx="0" cy="0"/>
-        </a:xfrm>
-      </p:grpSpPr>
-      <p:sp>
-        <p:nvSpPr>
-          <p:cNvPr id="327" name="Google Shape;327;g10b50044892_0_380:notes"/>
-          <p:cNvSpPr>
-            <a:spLocks noGrp="1" noRot="1" noChangeAspect="1"/>
-          </p:cNvSpPr>
-          <p:nvPr>
-            <p:ph type="sldImg" idx="2"/>
-          </p:nvPr>
-        </p:nvSpPr>
-        <p:spPr>
-          <a:xfrm>
-            <a:off x="381000" y="685800"/>
-            <a:ext cx="6096000" cy="3429000"/>
-          </a:xfrm>
-          <a:custGeom>
-            <a:avLst/>
-            <a:gdLst/>
-            <a:ahLst/>
-            <a:cxnLst/>
-            <a:rect l="l" t="t" r="r" b="b"/>
-            <a:pathLst>
-              <a:path w="120000" h="120000" extrusionOk="0">
-                <a:moveTo>
-                  <a:pt x="0" y="0"/>
-                </a:moveTo>
-                <a:lnTo>
-                  <a:pt x="120000" y="0"/>
-                </a:lnTo>
-                <a:lnTo>
-                  <a:pt x="120000" y="120000"/>
-                </a:lnTo>
-                <a:lnTo>
-                  <a:pt x="0" y="120000"/>
-                </a:lnTo>
-                <a:close/>
-              </a:path>
-            </a:pathLst>
-          </a:custGeom>
-        </p:spPr>
-      </p:sp>
-      <p:sp>
-        <p:nvSpPr>
-          <p:cNvPr id="328" name="Google Shape;328;g10b50044892_0_380:notes"/>
-          <p:cNvSpPr txBox="1">
-            <a:spLocks noGrp="1"/>
-          </p:cNvSpPr>
-          <p:nvPr>
-            <p:ph type="body" idx="1"/>
-          </p:nvPr>
-        </p:nvSpPr>
-        <p:spPr>
-          <a:xfrm>
-            <a:off x="685800" y="4343400"/>
-            <a:ext cx="5486400" cy="4114800"/>
-          </a:xfrm>
-          <a:prstGeom prst="rect">
-            <a:avLst/>
-          </a:prstGeom>
-        </p:spPr>
-        <p:txBody>
-          <a:bodyPr spcFirstLastPara="1" wrap="square" lIns="91425" tIns="91425" rIns="91425" bIns="91425" anchor="t" anchorCtr="0">
-            <a:noAutofit/>
-          </a:bodyPr>
-          <a:lstStyle/>
-          <a:p>
-            <a:pPr marL="0" lvl="0" indent="0" algn="l" rtl="0">
-              <a:spcBef>
-                <a:spcPts val="0"/>
-              </a:spcBef>
-              <a:spcAft>
-                <a:spcPts val="0"/>
-              </a:spcAft>
-              <a:buNone/>
-            </a:pPr>
-            <a:endParaRPr/>
-          </a:p>
-        </p:txBody>
-      </p:sp>
-    </p:spTree>
-  </p:cSld>
-  <p:clrMapOvr>
-    <a:masterClrMapping/>
-  </p:clrMapOvr>
-</p:notes>
-</file>
-
-<file path=ppt/notesSlides/notesSlide11.xml><?xml version="1.0" encoding="utf-8"?>
-<p:notes xmlns:a="http://schemas.openxmlformats.org/drawingml/2006/main" xmlns:r="http://schemas.openxmlformats.org/officeDocument/2006/relationships" xmlns:p="http://schemas.openxmlformats.org/presentationml/2006/main" showMasterSp="0" showMasterPhAnim="0">
-  <p:cSld>
-    <p:spTree>
-      <p:nvGrpSpPr>
-        <p:cNvPr id="1" name="Shape 332"/>
-        <p:cNvGrpSpPr/>
-        <p:nvPr/>
-      </p:nvGrpSpPr>
-      <p:grpSpPr>
-        <a:xfrm>
-          <a:off x="0" y="0"/>
-          <a:ext cx="0" cy="0"/>
-          <a:chOff x="0" y="0"/>
-          <a:chExt cx="0" cy="0"/>
-        </a:xfrm>
-      </p:grpSpPr>
-      <p:sp>
-        <p:nvSpPr>
-          <p:cNvPr id="333" name="Google Shape;333;g10b50044892_0_385:notes"/>
-          <p:cNvSpPr>
-            <a:spLocks noGrp="1" noRot="1" noChangeAspect="1"/>
-          </p:cNvSpPr>
-          <p:nvPr>
-            <p:ph type="sldImg" idx="2"/>
-          </p:nvPr>
-        </p:nvSpPr>
-        <p:spPr>
-          <a:xfrm>
-            <a:off x="381000" y="685800"/>
-            <a:ext cx="6096000" cy="3429000"/>
-          </a:xfrm>
-          <a:custGeom>
-            <a:avLst/>
-            <a:gdLst/>
-            <a:ahLst/>
-            <a:cxnLst/>
-            <a:rect l="l" t="t" r="r" b="b"/>
-            <a:pathLst>
-              <a:path w="120000" h="120000" extrusionOk="0">
-                <a:moveTo>
-                  <a:pt x="0" y="0"/>
-                </a:moveTo>
-                <a:lnTo>
-                  <a:pt x="120000" y="0"/>
-                </a:lnTo>
-                <a:lnTo>
-                  <a:pt x="120000" y="120000"/>
-                </a:lnTo>
-                <a:lnTo>
-                  <a:pt x="0" y="120000"/>
-                </a:lnTo>
-                <a:close/>
-              </a:path>
-            </a:pathLst>
-          </a:custGeom>
-        </p:spPr>
-      </p:sp>
-      <p:sp>
-        <p:nvSpPr>
-          <p:cNvPr id="334" name="Google Shape;334;g10b50044892_0_385:notes"/>
-          <p:cNvSpPr txBox="1">
-            <a:spLocks noGrp="1"/>
-          </p:cNvSpPr>
-          <p:nvPr>
-            <p:ph type="body" idx="1"/>
-          </p:nvPr>
-        </p:nvSpPr>
-        <p:spPr>
-          <a:xfrm>
-            <a:off x="685800" y="4343400"/>
-            <a:ext cx="5486400" cy="4114800"/>
-          </a:xfrm>
-          <a:prstGeom prst="rect">
-            <a:avLst/>
-          </a:prstGeom>
-        </p:spPr>
-        <p:txBody>
-          <a:bodyPr spcFirstLastPara="1" wrap="square" lIns="91425" tIns="91425" rIns="91425" bIns="91425" anchor="t" anchorCtr="0">
-            <a:noAutofit/>
-          </a:bodyPr>
-          <a:lstStyle/>
-          <a:p>
-            <a:pPr marL="0" lvl="0" indent="0" algn="l" rtl="0">
-              <a:spcBef>
-                <a:spcPts val="0"/>
-              </a:spcBef>
-              <a:spcAft>
-                <a:spcPts val="0"/>
-              </a:spcAft>
-              <a:buNone/>
-            </a:pPr>
-            <a:endParaRPr/>
-          </a:p>
-        </p:txBody>
-      </p:sp>
-    </p:spTree>
-  </p:cSld>
-  <p:clrMapOvr>
-    <a:masterClrMapping/>
-  </p:clrMapOvr>
-</p:notes>
-</file>
-
 <file path=ppt/notesSlides/notesSlide2.xml><?xml version="1.0" encoding="utf-8"?>
 <p:notes xmlns:a="http://schemas.openxmlformats.org/drawingml/2006/main" xmlns:r="http://schemas.openxmlformats.org/officeDocument/2006/relationships" xmlns:p="http://schemas.openxmlformats.org/presentationml/2006/main" showMasterSp="0" showMasterPhAnim="0">
   <p:cSld>
@@ -1777,7 +1567,7 @@
   <p:cSld>
     <p:spTree>
       <p:nvGrpSpPr>
-        <p:cNvPr id="1" name="Shape 320"/>
+        <p:cNvPr id="1" name="Shape 326"/>
         <p:cNvGrpSpPr/>
         <p:nvPr/>
       </p:nvGrpSpPr>
@@ -1791,7 +1581,7 @@
       </p:grpSpPr>
       <p:sp>
         <p:nvSpPr>
-          <p:cNvPr id="321" name="Google Shape;321;g10b50044892_0_375:notes"/>
+          <p:cNvPr id="327" name="Google Shape;327;g10b50044892_0_380:notes"/>
           <p:cNvSpPr>
             <a:spLocks noGrp="1" noRot="1" noChangeAspect="1"/>
           </p:cNvSpPr>
@@ -1832,7 +1622,7 @@
       </p:sp>
       <p:sp>
         <p:nvSpPr>
-          <p:cNvPr id="322" name="Google Shape;322;g10b50044892_0_375:notes"/>
+          <p:cNvPr id="328" name="Google Shape;328;g10b50044892_0_380:notes"/>
           <p:cNvSpPr txBox="1">
             <a:spLocks noGrp="1"/>
           </p:cNvSpPr>
@@ -15826,829 +15616,6 @@
 </p:sld>
 </file>
 
-<file path=ppt/slides/slide10.xml><?xml version="1.0" encoding="utf-8"?>
-<p:sld xmlns:a="http://schemas.openxmlformats.org/drawingml/2006/main" xmlns:r="http://schemas.openxmlformats.org/officeDocument/2006/relationships" xmlns:p="http://schemas.openxmlformats.org/presentationml/2006/main">
-  <p:cSld>
-    <p:bg>
-      <p:bgPr>
-        <a:solidFill>
-          <a:srgbClr val="3D85C6"/>
-        </a:solidFill>
-        <a:effectLst/>
-      </p:bgPr>
-    </p:bg>
-    <p:spTree>
-      <p:nvGrpSpPr>
-        <p:cNvPr id="1" name="Shape 329"/>
-        <p:cNvGrpSpPr/>
-        <p:nvPr/>
-      </p:nvGrpSpPr>
-      <p:grpSpPr>
-        <a:xfrm>
-          <a:off x="0" y="0"/>
-          <a:ext cx="0" cy="0"/>
-          <a:chOff x="0" y="0"/>
-          <a:chExt cx="0" cy="0"/>
-        </a:xfrm>
-      </p:grpSpPr>
-      <p:sp>
-        <p:nvSpPr>
-          <p:cNvPr id="330" name="Google Shape;330;p22"/>
-          <p:cNvSpPr txBox="1">
-            <a:spLocks noGrp="1"/>
-          </p:cNvSpPr>
-          <p:nvPr>
-            <p:ph type="title"/>
-          </p:nvPr>
-        </p:nvSpPr>
-        <p:spPr>
-          <a:xfrm>
-            <a:off x="1388550" y="349753"/>
-            <a:ext cx="6366900" cy="624300"/>
-          </a:xfrm>
-          <a:prstGeom prst="rect">
-            <a:avLst/>
-          </a:prstGeom>
-        </p:spPr>
-        <p:txBody>
-          <a:bodyPr spcFirstLastPara="1" wrap="square" lIns="91425" tIns="91425" rIns="91425" bIns="91425" anchor="ctr" anchorCtr="0">
-            <a:noAutofit/>
-          </a:bodyPr>
-          <a:lstStyle/>
-          <a:p>
-            <a:pPr marL="0" lvl="0" indent="0" algn="ctr" rtl="0">
-              <a:spcBef>
-                <a:spcPts val="0"/>
-              </a:spcBef>
-              <a:spcAft>
-                <a:spcPts val="0"/>
-              </a:spcAft>
-              <a:buNone/>
-            </a:pPr>
-            <a:r>
-              <a:rPr lang="en" sz="4000" dirty="0">
-                <a:latin typeface="Roboto"/>
-                <a:ea typeface="Roboto"/>
-                <a:cs typeface="Roboto"/>
-                <a:sym typeface="Roboto"/>
-              </a:rPr>
-              <a:t>Q &amp; A</a:t>
-            </a:r>
-            <a:endParaRPr sz="4000" dirty="0">
-              <a:latin typeface="Roboto"/>
-              <a:ea typeface="Roboto"/>
-              <a:cs typeface="Roboto"/>
-              <a:sym typeface="Roboto"/>
-            </a:endParaRPr>
-          </a:p>
-        </p:txBody>
-      </p:sp>
-      <p:sp>
-        <p:nvSpPr>
-          <p:cNvPr id="331" name="Google Shape;331;p22"/>
-          <p:cNvSpPr txBox="1">
-            <a:spLocks noGrp="1"/>
-          </p:cNvSpPr>
-          <p:nvPr>
-            <p:ph type="body" idx="1"/>
-          </p:nvPr>
-        </p:nvSpPr>
-        <p:spPr>
-          <a:xfrm>
-            <a:off x="95250" y="1098500"/>
-            <a:ext cx="8953500" cy="3223800"/>
-          </a:xfrm>
-          <a:prstGeom prst="rect">
-            <a:avLst/>
-          </a:prstGeom>
-        </p:spPr>
-        <p:txBody>
-          <a:bodyPr spcFirstLastPara="1" wrap="square" lIns="91425" tIns="91425" rIns="91425" bIns="91425" anchor="t" anchorCtr="0">
-            <a:noAutofit/>
-          </a:bodyPr>
-          <a:lstStyle/>
-          <a:p>
-            <a:pPr marL="0" lvl="0" indent="0" algn="just" rtl="0">
-              <a:spcBef>
-                <a:spcPts val="0"/>
-              </a:spcBef>
-              <a:spcAft>
-                <a:spcPts val="0"/>
-              </a:spcAft>
-              <a:buNone/>
-            </a:pPr>
-            <a:r>
-              <a:rPr lang="en" sz="1400" b="1">
-                <a:solidFill>
-                  <a:srgbClr val="FFFFFF"/>
-                </a:solidFill>
-                <a:latin typeface="Calibri"/>
-                <a:ea typeface="Calibri"/>
-                <a:cs typeface="Calibri"/>
-                <a:sym typeface="Calibri"/>
-              </a:rPr>
-              <a:t>Q 4) What techniques were you using for data pre-processing?</a:t>
-            </a:r>
-            <a:endParaRPr sz="1400">
-              <a:solidFill>
-                <a:srgbClr val="FFFFFF"/>
-              </a:solidFill>
-              <a:latin typeface="Times New Roman"/>
-              <a:ea typeface="Times New Roman"/>
-              <a:cs typeface="Times New Roman"/>
-              <a:sym typeface="Times New Roman"/>
-            </a:endParaRPr>
-          </a:p>
-          <a:p>
-            <a:pPr marL="742950" lvl="1" indent="-260350" algn="just" rtl="0">
-              <a:spcBef>
-                <a:spcPts val="0"/>
-              </a:spcBef>
-              <a:spcAft>
-                <a:spcPts val="0"/>
-              </a:spcAft>
-              <a:buClr>
-                <a:srgbClr val="FFFFFF"/>
-              </a:buClr>
-              <a:buSzPts val="1400"/>
-              <a:buFont typeface="Arial"/>
-              <a:buChar char="•"/>
-            </a:pPr>
-            <a:r>
-              <a:rPr lang="en" sz="1400">
-                <a:solidFill>
-                  <a:srgbClr val="FFFFFF"/>
-                </a:solidFill>
-                <a:latin typeface="Calibri"/>
-                <a:ea typeface="Calibri"/>
-                <a:cs typeface="Calibri"/>
-                <a:sym typeface="Calibri"/>
-              </a:rPr>
-              <a:t>Removing unwanted attributes</a:t>
-            </a:r>
-            <a:endParaRPr sz="1400">
-              <a:solidFill>
-                <a:srgbClr val="FFFFFF"/>
-              </a:solidFill>
-              <a:latin typeface="Times New Roman"/>
-              <a:ea typeface="Times New Roman"/>
-              <a:cs typeface="Times New Roman"/>
-              <a:sym typeface="Times New Roman"/>
-            </a:endParaRPr>
-          </a:p>
-          <a:p>
-            <a:pPr marL="742950" lvl="1" indent="-260350" algn="just" rtl="0">
-              <a:spcBef>
-                <a:spcPts val="0"/>
-              </a:spcBef>
-              <a:spcAft>
-                <a:spcPts val="0"/>
-              </a:spcAft>
-              <a:buClr>
-                <a:srgbClr val="FFFFFF"/>
-              </a:buClr>
-              <a:buSzPts val="1400"/>
-              <a:buFont typeface="Arial"/>
-              <a:buChar char="•"/>
-            </a:pPr>
-            <a:r>
-              <a:rPr lang="en" sz="1400">
-                <a:solidFill>
-                  <a:srgbClr val="FFFFFF"/>
-                </a:solidFill>
-                <a:latin typeface="Calibri"/>
-                <a:ea typeface="Calibri"/>
-                <a:cs typeface="Calibri"/>
-                <a:sym typeface="Calibri"/>
-              </a:rPr>
-              <a:t>Visualizing relation of independent variables with each other and output variables</a:t>
-            </a:r>
-            <a:endParaRPr sz="1400">
-              <a:solidFill>
-                <a:srgbClr val="FFFFFF"/>
-              </a:solidFill>
-              <a:latin typeface="Times New Roman"/>
-              <a:ea typeface="Times New Roman"/>
-              <a:cs typeface="Times New Roman"/>
-              <a:sym typeface="Times New Roman"/>
-            </a:endParaRPr>
-          </a:p>
-          <a:p>
-            <a:pPr marL="742950" lvl="1" indent="-260350" algn="just" rtl="0">
-              <a:spcBef>
-                <a:spcPts val="0"/>
-              </a:spcBef>
-              <a:spcAft>
-                <a:spcPts val="0"/>
-              </a:spcAft>
-              <a:buClr>
-                <a:srgbClr val="FFFFFF"/>
-              </a:buClr>
-              <a:buSzPts val="1400"/>
-              <a:buFont typeface="Arial"/>
-              <a:buChar char="•"/>
-            </a:pPr>
-            <a:r>
-              <a:rPr lang="en" sz="1400">
-                <a:solidFill>
-                  <a:srgbClr val="FFFFFF"/>
-                </a:solidFill>
-                <a:latin typeface="Calibri"/>
-                <a:ea typeface="Calibri"/>
-                <a:cs typeface="Calibri"/>
-                <a:sym typeface="Calibri"/>
-              </a:rPr>
-              <a:t>Removing outliers</a:t>
-            </a:r>
-            <a:endParaRPr sz="1400">
-              <a:solidFill>
-                <a:srgbClr val="FFFFFF"/>
-              </a:solidFill>
-              <a:latin typeface="Times New Roman"/>
-              <a:ea typeface="Times New Roman"/>
-              <a:cs typeface="Times New Roman"/>
-              <a:sym typeface="Times New Roman"/>
-            </a:endParaRPr>
-          </a:p>
-          <a:p>
-            <a:pPr marL="742950" lvl="1" indent="-260350" algn="just" rtl="0">
-              <a:spcBef>
-                <a:spcPts val="0"/>
-              </a:spcBef>
-              <a:spcAft>
-                <a:spcPts val="0"/>
-              </a:spcAft>
-              <a:buClr>
-                <a:srgbClr val="FFFFFF"/>
-              </a:buClr>
-              <a:buSzPts val="1400"/>
-              <a:buFont typeface="Arial"/>
-              <a:buChar char="•"/>
-            </a:pPr>
-            <a:r>
-              <a:rPr lang="en" sz="1400">
-                <a:solidFill>
-                  <a:srgbClr val="FFFFFF"/>
-                </a:solidFill>
-                <a:latin typeface="Calibri"/>
-                <a:ea typeface="Calibri"/>
-                <a:cs typeface="Calibri"/>
-                <a:sym typeface="Calibri"/>
-              </a:rPr>
-              <a:t>Cleaning data and imputing if null values are present. </a:t>
-            </a:r>
-            <a:endParaRPr sz="1400">
-              <a:solidFill>
-                <a:srgbClr val="FFFFFF"/>
-              </a:solidFill>
-              <a:latin typeface="Times New Roman"/>
-              <a:ea typeface="Times New Roman"/>
-              <a:cs typeface="Times New Roman"/>
-              <a:sym typeface="Times New Roman"/>
-            </a:endParaRPr>
-          </a:p>
-          <a:p>
-            <a:pPr marL="742950" lvl="1" indent="-260350" algn="just" rtl="0">
-              <a:spcBef>
-                <a:spcPts val="0"/>
-              </a:spcBef>
-              <a:spcAft>
-                <a:spcPts val="0"/>
-              </a:spcAft>
-              <a:buClr>
-                <a:srgbClr val="FFFFFF"/>
-              </a:buClr>
-              <a:buSzPts val="1400"/>
-              <a:buFont typeface="Arial"/>
-              <a:buChar char="•"/>
-            </a:pPr>
-            <a:r>
-              <a:rPr lang="en" sz="1400">
-                <a:solidFill>
-                  <a:srgbClr val="FFFFFF"/>
-                </a:solidFill>
-                <a:latin typeface="Calibri"/>
-                <a:ea typeface="Calibri"/>
-                <a:cs typeface="Calibri"/>
-                <a:sym typeface="Calibri"/>
-              </a:rPr>
-              <a:t>Converting categorical data into numeric values.</a:t>
-            </a:r>
-            <a:endParaRPr sz="1400">
-              <a:solidFill>
-                <a:srgbClr val="FFFFFF"/>
-              </a:solidFill>
-              <a:latin typeface="Times New Roman"/>
-              <a:ea typeface="Times New Roman"/>
-              <a:cs typeface="Times New Roman"/>
-              <a:sym typeface="Times New Roman"/>
-            </a:endParaRPr>
-          </a:p>
-          <a:p>
-            <a:pPr marL="742950" lvl="1" indent="-260350" algn="just" rtl="0">
-              <a:spcBef>
-                <a:spcPts val="0"/>
-              </a:spcBef>
-              <a:spcAft>
-                <a:spcPts val="0"/>
-              </a:spcAft>
-              <a:buClr>
-                <a:srgbClr val="FFFFFF"/>
-              </a:buClr>
-              <a:buSzPts val="1400"/>
-              <a:buFont typeface="Arial"/>
-              <a:buChar char="•"/>
-            </a:pPr>
-            <a:r>
-              <a:rPr lang="en" sz="1400">
-                <a:solidFill>
-                  <a:srgbClr val="FFFFFF"/>
-                </a:solidFill>
-                <a:latin typeface="Calibri"/>
-                <a:ea typeface="Calibri"/>
-                <a:cs typeface="Calibri"/>
-                <a:sym typeface="Calibri"/>
-              </a:rPr>
-              <a:t>Scaling the data</a:t>
-            </a:r>
-            <a:endParaRPr sz="1400">
-              <a:solidFill>
-                <a:srgbClr val="FFFFFF"/>
-              </a:solidFill>
-              <a:latin typeface="Calibri"/>
-              <a:ea typeface="Calibri"/>
-              <a:cs typeface="Calibri"/>
-              <a:sym typeface="Calibri"/>
-            </a:endParaRPr>
-          </a:p>
-          <a:p>
-            <a:pPr marL="914400" lvl="0" indent="0" algn="just" rtl="0">
-              <a:spcBef>
-                <a:spcPts val="0"/>
-              </a:spcBef>
-              <a:spcAft>
-                <a:spcPts val="0"/>
-              </a:spcAft>
-              <a:buNone/>
-            </a:pPr>
-            <a:endParaRPr sz="1400">
-              <a:solidFill>
-                <a:srgbClr val="FFFFFF"/>
-              </a:solidFill>
-              <a:latin typeface="Calibri"/>
-              <a:ea typeface="Calibri"/>
-              <a:cs typeface="Calibri"/>
-              <a:sym typeface="Calibri"/>
-            </a:endParaRPr>
-          </a:p>
-          <a:p>
-            <a:pPr marL="0" lvl="0" indent="0" algn="just" rtl="0">
-              <a:spcBef>
-                <a:spcPts val="0"/>
-              </a:spcBef>
-              <a:spcAft>
-                <a:spcPts val="0"/>
-              </a:spcAft>
-              <a:buNone/>
-            </a:pPr>
-            <a:r>
-              <a:rPr lang="en" sz="1400" b="1">
-                <a:solidFill>
-                  <a:srgbClr val="FFFFFF"/>
-                </a:solidFill>
-                <a:latin typeface="Calibri"/>
-                <a:ea typeface="Calibri"/>
-                <a:cs typeface="Calibri"/>
-                <a:sym typeface="Calibri"/>
-              </a:rPr>
-              <a:t>Q 5) How training was done or what models were used?</a:t>
-            </a:r>
-            <a:endParaRPr sz="1400">
-              <a:solidFill>
-                <a:srgbClr val="FFFFFF"/>
-              </a:solidFill>
-              <a:latin typeface="Times New Roman"/>
-              <a:ea typeface="Times New Roman"/>
-              <a:cs typeface="Times New Roman"/>
-              <a:sym typeface="Times New Roman"/>
-            </a:endParaRPr>
-          </a:p>
-          <a:p>
-            <a:pPr marL="0" lvl="0" indent="0" algn="just" rtl="0">
-              <a:spcBef>
-                <a:spcPts val="0"/>
-              </a:spcBef>
-              <a:spcAft>
-                <a:spcPts val="0"/>
-              </a:spcAft>
-              <a:buNone/>
-            </a:pPr>
-            <a:r>
-              <a:rPr lang="en" sz="1400">
-                <a:solidFill>
-                  <a:srgbClr val="FFFFFF"/>
-                </a:solidFill>
-                <a:latin typeface="Calibri"/>
-                <a:ea typeface="Calibri"/>
-                <a:cs typeface="Calibri"/>
-                <a:sym typeface="Calibri"/>
-              </a:rPr>
-              <a:t>Before diving the data in training and validation set we performed clustering over fit to divide the data into clusters.</a:t>
-            </a:r>
-            <a:r>
-              <a:rPr lang="en" sz="1400">
-                <a:solidFill>
-                  <a:srgbClr val="FFFFFF"/>
-                </a:solidFill>
-                <a:latin typeface="Times New Roman"/>
-                <a:ea typeface="Times New Roman"/>
-                <a:cs typeface="Times New Roman"/>
-                <a:sym typeface="Times New Roman"/>
-              </a:rPr>
-              <a:t> </a:t>
-            </a:r>
-            <a:r>
-              <a:rPr lang="en" sz="1400">
-                <a:solidFill>
-                  <a:srgbClr val="FFFFFF"/>
-                </a:solidFill>
-                <a:latin typeface="Calibri"/>
-                <a:ea typeface="Calibri"/>
-                <a:cs typeface="Calibri"/>
-                <a:sym typeface="Calibri"/>
-              </a:rPr>
-              <a:t>As per cluster the training and validation data were divided.</a:t>
-            </a:r>
-            <a:r>
-              <a:rPr lang="en" sz="1400">
-                <a:solidFill>
-                  <a:srgbClr val="FFFFFF"/>
-                </a:solidFill>
-                <a:latin typeface="Times New Roman"/>
-                <a:ea typeface="Times New Roman"/>
-                <a:cs typeface="Times New Roman"/>
-                <a:sym typeface="Times New Roman"/>
-              </a:rPr>
-              <a:t> </a:t>
-            </a:r>
-            <a:r>
-              <a:rPr lang="en" sz="1400">
-                <a:solidFill>
-                  <a:srgbClr val="FFFFFF"/>
-                </a:solidFill>
-                <a:latin typeface="Calibri"/>
-                <a:ea typeface="Calibri"/>
-                <a:cs typeface="Calibri"/>
-                <a:sym typeface="Calibri"/>
-              </a:rPr>
-              <a:t>The scaling was performed over training and validation data</a:t>
-            </a:r>
-            <a:endParaRPr sz="1400">
-              <a:solidFill>
-                <a:srgbClr val="FFFFFF"/>
-              </a:solidFill>
-              <a:latin typeface="Times New Roman"/>
-              <a:ea typeface="Times New Roman"/>
-              <a:cs typeface="Times New Roman"/>
-              <a:sym typeface="Times New Roman"/>
-            </a:endParaRPr>
-          </a:p>
-          <a:p>
-            <a:pPr marL="0" lvl="0" indent="0" algn="just" rtl="0">
-              <a:spcBef>
-                <a:spcPts val="0"/>
-              </a:spcBef>
-              <a:spcAft>
-                <a:spcPts val="0"/>
-              </a:spcAft>
-              <a:buNone/>
-            </a:pPr>
-            <a:r>
-              <a:rPr lang="en" sz="1400">
-                <a:solidFill>
-                  <a:srgbClr val="FFFFFF"/>
-                </a:solidFill>
-                <a:latin typeface="Calibri"/>
-                <a:ea typeface="Calibri"/>
-                <a:cs typeface="Calibri"/>
-                <a:sym typeface="Calibri"/>
-              </a:rPr>
-              <a:t>Algorithms like Linear regression, Gradient boost and Random forest were used .</a:t>
-            </a:r>
-            <a:endParaRPr sz="1400">
-              <a:solidFill>
-                <a:srgbClr val="FFFFFF"/>
-              </a:solidFill>
-              <a:latin typeface="Arial"/>
-              <a:ea typeface="Arial"/>
-              <a:cs typeface="Arial"/>
-              <a:sym typeface="Arial"/>
-            </a:endParaRPr>
-          </a:p>
-          <a:p>
-            <a:pPr marL="0" lvl="0" indent="0" algn="just" rtl="0">
-              <a:lnSpc>
-                <a:spcPct val="100000"/>
-              </a:lnSpc>
-              <a:spcBef>
-                <a:spcPts val="0"/>
-              </a:spcBef>
-              <a:spcAft>
-                <a:spcPts val="0"/>
-              </a:spcAft>
-              <a:buNone/>
-            </a:pPr>
-            <a:endParaRPr sz="1400">
-              <a:solidFill>
-                <a:srgbClr val="FFFFFF"/>
-              </a:solidFill>
-              <a:latin typeface="Calibri"/>
-              <a:ea typeface="Calibri"/>
-              <a:cs typeface="Calibri"/>
-              <a:sym typeface="Calibri"/>
-            </a:endParaRPr>
-          </a:p>
-        </p:txBody>
-      </p:sp>
-    </p:spTree>
-  </p:cSld>
-  <p:clrMapOvr>
-    <a:masterClrMapping/>
-  </p:clrMapOvr>
-</p:sld>
-</file>
-
-<file path=ppt/slides/slide11.xml><?xml version="1.0" encoding="utf-8"?>
-<p:sld xmlns:a="http://schemas.openxmlformats.org/drawingml/2006/main" xmlns:r="http://schemas.openxmlformats.org/officeDocument/2006/relationships" xmlns:p="http://schemas.openxmlformats.org/presentationml/2006/main">
-  <p:cSld>
-    <p:bg>
-      <p:bgPr>
-        <a:solidFill>
-          <a:srgbClr val="3D85C6"/>
-        </a:solidFill>
-        <a:effectLst/>
-      </p:bgPr>
-    </p:bg>
-    <p:spTree>
-      <p:nvGrpSpPr>
-        <p:cNvPr id="1" name="Shape 335"/>
-        <p:cNvGrpSpPr/>
-        <p:nvPr/>
-      </p:nvGrpSpPr>
-      <p:grpSpPr>
-        <a:xfrm>
-          <a:off x="0" y="0"/>
-          <a:ext cx="0" cy="0"/>
-          <a:chOff x="0" y="0"/>
-          <a:chExt cx="0" cy="0"/>
-        </a:xfrm>
-      </p:grpSpPr>
-      <p:sp>
-        <p:nvSpPr>
-          <p:cNvPr id="336" name="Google Shape;336;p23"/>
-          <p:cNvSpPr txBox="1">
-            <a:spLocks noGrp="1"/>
-          </p:cNvSpPr>
-          <p:nvPr>
-            <p:ph type="title"/>
-          </p:nvPr>
-        </p:nvSpPr>
-        <p:spPr>
-          <a:xfrm>
-            <a:off x="1388550" y="416660"/>
-            <a:ext cx="6366900" cy="624300"/>
-          </a:xfrm>
-          <a:prstGeom prst="rect">
-            <a:avLst/>
-          </a:prstGeom>
-        </p:spPr>
-        <p:txBody>
-          <a:bodyPr spcFirstLastPara="1" wrap="square" lIns="91425" tIns="91425" rIns="91425" bIns="91425" anchor="ctr" anchorCtr="0">
-            <a:noAutofit/>
-          </a:bodyPr>
-          <a:lstStyle/>
-          <a:p>
-            <a:pPr marL="0" lvl="0" indent="0" algn="ctr" rtl="0">
-              <a:spcBef>
-                <a:spcPts val="0"/>
-              </a:spcBef>
-              <a:spcAft>
-                <a:spcPts val="0"/>
-              </a:spcAft>
-              <a:buNone/>
-            </a:pPr>
-            <a:r>
-              <a:rPr lang="en" sz="4000" dirty="0">
-                <a:latin typeface="Roboto"/>
-                <a:ea typeface="Roboto"/>
-                <a:cs typeface="Roboto"/>
-                <a:sym typeface="Roboto"/>
-              </a:rPr>
-              <a:t>Q &amp; A</a:t>
-            </a:r>
-            <a:endParaRPr sz="4000" dirty="0">
-              <a:latin typeface="Roboto"/>
-              <a:ea typeface="Roboto"/>
-              <a:cs typeface="Roboto"/>
-              <a:sym typeface="Roboto"/>
-            </a:endParaRPr>
-          </a:p>
-        </p:txBody>
-      </p:sp>
-      <p:sp>
-        <p:nvSpPr>
-          <p:cNvPr id="337" name="Google Shape;337;p23"/>
-          <p:cNvSpPr txBox="1">
-            <a:spLocks noGrp="1"/>
-          </p:cNvSpPr>
-          <p:nvPr>
-            <p:ph type="body" idx="1"/>
-          </p:nvPr>
-        </p:nvSpPr>
-        <p:spPr>
-          <a:xfrm>
-            <a:off x="95250" y="1098500"/>
-            <a:ext cx="8953500" cy="1950600"/>
-          </a:xfrm>
-          <a:prstGeom prst="rect">
-            <a:avLst/>
-          </a:prstGeom>
-        </p:spPr>
-        <p:txBody>
-          <a:bodyPr spcFirstLastPara="1" wrap="square" lIns="91425" tIns="91425" rIns="91425" bIns="91425" anchor="t" anchorCtr="0">
-            <a:noAutofit/>
-          </a:bodyPr>
-          <a:lstStyle/>
-          <a:p>
-            <a:pPr marL="0" lvl="0" indent="0" algn="just" rtl="0">
-              <a:spcBef>
-                <a:spcPts val="0"/>
-              </a:spcBef>
-              <a:spcAft>
-                <a:spcPts val="0"/>
-              </a:spcAft>
-              <a:buNone/>
-            </a:pPr>
-            <a:r>
-              <a:rPr lang="en" sz="1400" b="1">
-                <a:solidFill>
-                  <a:srgbClr val="FFFFFF"/>
-                </a:solidFill>
-                <a:latin typeface="Calibri"/>
-                <a:ea typeface="Calibri"/>
-                <a:cs typeface="Calibri"/>
-                <a:sym typeface="Calibri"/>
-              </a:rPr>
-              <a:t>Q 6) How Prediction was done?</a:t>
-            </a:r>
-            <a:endParaRPr sz="1400">
-              <a:solidFill>
-                <a:srgbClr val="FFFFFF"/>
-              </a:solidFill>
-              <a:latin typeface="Times New Roman"/>
-              <a:ea typeface="Times New Roman"/>
-              <a:cs typeface="Times New Roman"/>
-              <a:sym typeface="Times New Roman"/>
-            </a:endParaRPr>
-          </a:p>
-          <a:p>
-            <a:pPr marL="0" lvl="0" indent="0" algn="just" rtl="0">
-              <a:spcBef>
-                <a:spcPts val="0"/>
-              </a:spcBef>
-              <a:spcAft>
-                <a:spcPts val="0"/>
-              </a:spcAft>
-              <a:buNone/>
-            </a:pPr>
-            <a:r>
-              <a:rPr lang="en" sz="1400">
-                <a:solidFill>
-                  <a:srgbClr val="FFFFFF"/>
-                </a:solidFill>
-                <a:latin typeface="Calibri"/>
-                <a:ea typeface="Calibri"/>
-                <a:cs typeface="Calibri"/>
-                <a:sym typeface="Calibri"/>
-              </a:rPr>
-              <a:t>Ans. The tested files are load in to the drive. We pass its data to the best model which we have saved in .sav format and get the prediction.</a:t>
-            </a:r>
-            <a:endParaRPr sz="1400">
-              <a:solidFill>
-                <a:srgbClr val="FFFFFF"/>
-              </a:solidFill>
-              <a:latin typeface="Calibri"/>
-              <a:ea typeface="Calibri"/>
-              <a:cs typeface="Calibri"/>
-              <a:sym typeface="Calibri"/>
-            </a:endParaRPr>
-          </a:p>
-          <a:p>
-            <a:pPr marL="0" lvl="0" indent="0" algn="just" rtl="0">
-              <a:spcBef>
-                <a:spcPts val="0"/>
-              </a:spcBef>
-              <a:spcAft>
-                <a:spcPts val="0"/>
-              </a:spcAft>
-              <a:buNone/>
-            </a:pPr>
-            <a:endParaRPr sz="1400">
-              <a:solidFill>
-                <a:srgbClr val="FFFFFF"/>
-              </a:solidFill>
-              <a:latin typeface="Calibri"/>
-              <a:ea typeface="Calibri"/>
-              <a:cs typeface="Calibri"/>
-              <a:sym typeface="Calibri"/>
-            </a:endParaRPr>
-          </a:p>
-          <a:p>
-            <a:pPr marL="0" lvl="0" indent="0" algn="just" rtl="0">
-              <a:spcBef>
-                <a:spcPts val="0"/>
-              </a:spcBef>
-              <a:spcAft>
-                <a:spcPts val="0"/>
-              </a:spcAft>
-              <a:buNone/>
-            </a:pPr>
-            <a:r>
-              <a:rPr lang="en" sz="1400" b="1">
-                <a:solidFill>
-                  <a:srgbClr val="FFFFFF"/>
-                </a:solidFill>
-                <a:latin typeface="Calibri"/>
-                <a:ea typeface="Calibri"/>
-                <a:cs typeface="Calibri"/>
-                <a:sym typeface="Calibri"/>
-              </a:rPr>
-              <a:t>Q 7) Where the model was deployed?</a:t>
-            </a:r>
-            <a:endParaRPr sz="1400">
-              <a:solidFill>
-                <a:srgbClr val="FFFFFF"/>
-              </a:solidFill>
-              <a:latin typeface="Times New Roman"/>
-              <a:ea typeface="Times New Roman"/>
-              <a:cs typeface="Times New Roman"/>
-              <a:sym typeface="Times New Roman"/>
-            </a:endParaRPr>
-          </a:p>
-          <a:p>
-            <a:pPr marL="0" lvl="0" indent="0" algn="just" rtl="0">
-              <a:spcBef>
-                <a:spcPts val="0"/>
-              </a:spcBef>
-              <a:spcAft>
-                <a:spcPts val="0"/>
-              </a:spcAft>
-              <a:buNone/>
-            </a:pPr>
-            <a:r>
-              <a:rPr lang="en" sz="1400">
-                <a:solidFill>
-                  <a:srgbClr val="FFFFFF"/>
-                </a:solidFill>
-                <a:latin typeface="Calibri"/>
-                <a:ea typeface="Calibri"/>
-                <a:cs typeface="Calibri"/>
-                <a:sym typeface="Calibri"/>
-              </a:rPr>
-              <a:t>Ans. When the model is ready, we deploy it in Google cloud platform.  This model is an web application where user can enter the data and these data gets extracted in the backend and user gets the prediction result</a:t>
-            </a:r>
-            <a:r>
-              <a:rPr lang="en" sz="1400">
-                <a:solidFill>
-                  <a:srgbClr val="FFFFFF"/>
-                </a:solidFill>
-                <a:latin typeface="Times New Roman"/>
-                <a:ea typeface="Times New Roman"/>
-                <a:cs typeface="Times New Roman"/>
-                <a:sym typeface="Times New Roman"/>
-              </a:rPr>
-              <a:t>.</a:t>
-            </a:r>
-            <a:endParaRPr sz="1400">
-              <a:solidFill>
-                <a:srgbClr val="FFFFFF"/>
-              </a:solidFill>
-              <a:latin typeface="Calibri"/>
-              <a:ea typeface="Calibri"/>
-              <a:cs typeface="Calibri"/>
-              <a:sym typeface="Calibri"/>
-            </a:endParaRPr>
-          </a:p>
-        </p:txBody>
-      </p:sp>
-    </p:spTree>
-  </p:cSld>
-  <p:clrMapOvr>
-    <a:masterClrMapping/>
-  </p:clrMapOvr>
-</p:sld>
-</file>
-
 <file path=ppt/slides/slide2.xml><?xml version="1.0" encoding="utf-8"?>
 <p:sld xmlns:a="http://schemas.openxmlformats.org/drawingml/2006/main" xmlns:r="http://schemas.openxmlformats.org/officeDocument/2006/relationships" xmlns:p="http://schemas.openxmlformats.org/presentationml/2006/main">
   <p:cSld>
@@ -16761,7 +15728,7 @@
               <a:buNone/>
             </a:pPr>
             <a:r>
-              <a:rPr lang="en" sz="1400">
+              <a:rPr lang="en" sz="1400" dirty="0">
                 <a:latin typeface="Roboto"/>
                 <a:ea typeface="Roboto"/>
                 <a:cs typeface="Roboto"/>
@@ -16769,7 +15736,7 @@
               </a:rPr>
               <a:t>Objective:</a:t>
             </a:r>
-            <a:endParaRPr sz="1400">
+            <a:endParaRPr sz="1400" dirty="0">
               <a:latin typeface="Roboto"/>
               <a:ea typeface="Roboto"/>
               <a:cs typeface="Roboto"/>
@@ -16787,7 +15754,7 @@
               <a:buNone/>
             </a:pPr>
             <a:r>
-              <a:rPr lang="en" sz="1400">
+              <a:rPr lang="en" sz="1400" dirty="0">
                 <a:latin typeface="Roboto"/>
                 <a:ea typeface="Roboto"/>
                 <a:cs typeface="Roboto"/>
@@ -16795,7 +15762,7 @@
               </a:rPr>
               <a:t>Development of this model is to predict the store sales using detail enter by user. Model will determine the sales of the stores.</a:t>
             </a:r>
-            <a:endParaRPr sz="1400">
+            <a:endParaRPr sz="1400" dirty="0">
               <a:latin typeface="Roboto"/>
               <a:ea typeface="Roboto"/>
               <a:cs typeface="Roboto"/>
@@ -16813,7 +15780,7 @@
               <a:buNone/>
             </a:pPr>
             <a:r>
-              <a:rPr lang="en" sz="1400">
+              <a:rPr lang="en" sz="1400" dirty="0">
                 <a:latin typeface="Roboto"/>
                 <a:ea typeface="Roboto"/>
                 <a:cs typeface="Roboto"/>
@@ -16821,7 +15788,7 @@
               </a:rPr>
               <a:t>To find out what role certain properties of an item play and how they affect their sales by understanding Big Mart sales.</a:t>
             </a:r>
-            <a:endParaRPr sz="1400">
+            <a:endParaRPr sz="1400" dirty="0">
               <a:latin typeface="Roboto"/>
               <a:ea typeface="Roboto"/>
               <a:cs typeface="Roboto"/>
@@ -16842,7 +15809,7 @@
               <a:buFont typeface="Arial"/>
               <a:buNone/>
             </a:pPr>
-            <a:endParaRPr sz="1400">
+            <a:endParaRPr sz="1400" dirty="0">
               <a:latin typeface="Roboto"/>
               <a:ea typeface="Roboto"/>
               <a:cs typeface="Roboto"/>
@@ -16860,7 +15827,7 @@
               <a:buNone/>
             </a:pPr>
             <a:r>
-              <a:rPr lang="en" sz="1400">
+              <a:rPr lang="en" sz="1400" dirty="0">
                 <a:latin typeface="Roboto"/>
                 <a:ea typeface="Roboto"/>
                 <a:cs typeface="Roboto"/>
@@ -16868,7 +15835,7 @@
               </a:rPr>
               <a:t>Benefits:</a:t>
             </a:r>
-            <a:endParaRPr sz="1400">
+            <a:endParaRPr sz="1400" dirty="0">
               <a:latin typeface="Roboto"/>
               <a:ea typeface="Roboto"/>
               <a:cs typeface="Roboto"/>
@@ -16886,7 +15853,7 @@
               <a:buNone/>
             </a:pPr>
             <a:r>
-              <a:rPr lang="en" sz="1400">
+              <a:rPr lang="en" sz="1400" dirty="0">
                 <a:latin typeface="Roboto"/>
                 <a:ea typeface="Roboto"/>
                 <a:cs typeface="Roboto"/>
@@ -16894,7 +15861,7 @@
               </a:rPr>
               <a:t>Gives better insight of customers interest for the item.</a:t>
             </a:r>
-            <a:endParaRPr sz="1400">
+            <a:endParaRPr sz="1400" dirty="0">
               <a:latin typeface="Roboto"/>
               <a:ea typeface="Roboto"/>
               <a:cs typeface="Roboto"/>
@@ -16912,7 +15879,7 @@
               <a:buNone/>
             </a:pPr>
             <a:r>
-              <a:rPr lang="en" sz="1400">
+              <a:rPr lang="en" sz="1400" dirty="0">
                 <a:latin typeface="Roboto"/>
                 <a:ea typeface="Roboto"/>
                 <a:cs typeface="Roboto"/>
@@ -16920,7 +15887,7 @@
               </a:rPr>
               <a:t>Find the store sales</a:t>
             </a:r>
-            <a:endParaRPr sz="1400">
+            <a:endParaRPr sz="1400" dirty="0">
               <a:latin typeface="Roboto"/>
               <a:ea typeface="Roboto"/>
               <a:cs typeface="Roboto"/>
@@ -16938,7 +15905,7 @@
               <a:buNone/>
             </a:pPr>
             <a:r>
-              <a:rPr lang="en" sz="1400">
+              <a:rPr lang="en" sz="1400" dirty="0">
                 <a:latin typeface="Roboto"/>
                 <a:ea typeface="Roboto"/>
                 <a:cs typeface="Roboto"/>
@@ -16946,7 +15913,7 @@
               </a:rPr>
               <a:t>Easy to predict the sales information based on user data.</a:t>
             </a:r>
-            <a:endParaRPr sz="1400">
+            <a:endParaRPr sz="1400" dirty="0">
               <a:latin typeface="Roboto"/>
               <a:ea typeface="Roboto"/>
               <a:cs typeface="Roboto"/>
@@ -19037,7 +18004,7 @@
     </p:bg>
     <p:spTree>
       <p:nvGrpSpPr>
-        <p:cNvPr id="1" name="Shape 323"/>
+        <p:cNvPr id="1" name="Shape 329"/>
         <p:cNvGrpSpPr/>
         <p:nvPr/>
       </p:nvGrpSpPr>
@@ -19051,7 +18018,7 @@
       </p:grpSpPr>
       <p:sp>
         <p:nvSpPr>
-          <p:cNvPr id="324" name="Google Shape;324;p21"/>
+          <p:cNvPr id="330" name="Google Shape;330;p22"/>
           <p:cNvSpPr txBox="1">
             <a:spLocks noGrp="1"/>
           </p:cNvSpPr>
@@ -19061,7 +18028,7 @@
         </p:nvSpPr>
         <p:spPr>
           <a:xfrm>
-            <a:off x="1388550" y="409226"/>
+            <a:off x="1388550" y="349753"/>
             <a:ext cx="6366900" cy="624300"/>
           </a:xfrm>
           <a:prstGeom prst="rect">
@@ -19103,7 +18070,7 @@
       </p:sp>
       <p:sp>
         <p:nvSpPr>
-          <p:cNvPr id="325" name="Google Shape;325;p21"/>
+          <p:cNvPr id="331" name="Google Shape;331;p22"/>
           <p:cNvSpPr txBox="1">
             <a:spLocks noGrp="1"/>
           </p:cNvSpPr>
@@ -19114,7 +18081,7 @@
         <p:spPr>
           <a:xfrm>
             <a:off x="95250" y="1098500"/>
-            <a:ext cx="8953500" cy="2515200"/>
+            <a:ext cx="8953500" cy="3223800"/>
           </a:xfrm>
           <a:prstGeom prst="rect">
             <a:avLst/>
@@ -19133,14 +18100,10 @@
               <a:spcAft>
                 <a:spcPts val="0"/>
               </a:spcAft>
-              <a:buClr>
-                <a:srgbClr val="000000"/>
-              </a:buClr>
-              <a:buFont typeface="Arial"/>
               <a:buNone/>
             </a:pPr>
             <a:r>
-              <a:rPr lang="en" sz="1400" b="1" dirty="0">
+              <a:rPr lang="en" sz="1400" b="1">
                 <a:solidFill>
                   <a:srgbClr val="FFFFFF"/>
                 </a:solidFill>
@@ -19149,9 +18112,283 @@
                 <a:cs typeface="Calibri"/>
                 <a:sym typeface="Calibri"/>
               </a:rPr>
-              <a:t>Q1) What’s the source of data?</a:t>
+              <a:t>Q 4) What techniques were you using for data pre-processing?</a:t>
             </a:r>
-            <a:endParaRPr sz="1400" dirty="0">
+            <a:endParaRPr sz="1400">
+              <a:solidFill>
+                <a:srgbClr val="FFFFFF"/>
+              </a:solidFill>
+              <a:latin typeface="Times New Roman"/>
+              <a:ea typeface="Times New Roman"/>
+              <a:cs typeface="Times New Roman"/>
+              <a:sym typeface="Times New Roman"/>
+            </a:endParaRPr>
+          </a:p>
+          <a:p>
+            <a:pPr marL="742950" lvl="1" indent="-260350" algn="just" rtl="0">
+              <a:spcBef>
+                <a:spcPts val="0"/>
+              </a:spcBef>
+              <a:spcAft>
+                <a:spcPts val="0"/>
+              </a:spcAft>
+              <a:buClr>
+                <a:srgbClr val="FFFFFF"/>
+              </a:buClr>
+              <a:buSzPts val="1400"/>
+              <a:buFont typeface="Arial"/>
+              <a:buChar char="•"/>
+            </a:pPr>
+            <a:r>
+              <a:rPr lang="en" sz="1400">
+                <a:solidFill>
+                  <a:srgbClr val="FFFFFF"/>
+                </a:solidFill>
+                <a:latin typeface="Calibri"/>
+                <a:ea typeface="Calibri"/>
+                <a:cs typeface="Calibri"/>
+                <a:sym typeface="Calibri"/>
+              </a:rPr>
+              <a:t>Removing unwanted attributes</a:t>
+            </a:r>
+            <a:endParaRPr sz="1400">
+              <a:solidFill>
+                <a:srgbClr val="FFFFFF"/>
+              </a:solidFill>
+              <a:latin typeface="Times New Roman"/>
+              <a:ea typeface="Times New Roman"/>
+              <a:cs typeface="Times New Roman"/>
+              <a:sym typeface="Times New Roman"/>
+            </a:endParaRPr>
+          </a:p>
+          <a:p>
+            <a:pPr marL="742950" lvl="1" indent="-260350" algn="just" rtl="0">
+              <a:spcBef>
+                <a:spcPts val="0"/>
+              </a:spcBef>
+              <a:spcAft>
+                <a:spcPts val="0"/>
+              </a:spcAft>
+              <a:buClr>
+                <a:srgbClr val="FFFFFF"/>
+              </a:buClr>
+              <a:buSzPts val="1400"/>
+              <a:buFont typeface="Arial"/>
+              <a:buChar char="•"/>
+            </a:pPr>
+            <a:r>
+              <a:rPr lang="en" sz="1400">
+                <a:solidFill>
+                  <a:srgbClr val="FFFFFF"/>
+                </a:solidFill>
+                <a:latin typeface="Calibri"/>
+                <a:ea typeface="Calibri"/>
+                <a:cs typeface="Calibri"/>
+                <a:sym typeface="Calibri"/>
+              </a:rPr>
+              <a:t>Visualizing relation of independent variables with each other and output variables</a:t>
+            </a:r>
+            <a:endParaRPr sz="1400">
+              <a:solidFill>
+                <a:srgbClr val="FFFFFF"/>
+              </a:solidFill>
+              <a:latin typeface="Times New Roman"/>
+              <a:ea typeface="Times New Roman"/>
+              <a:cs typeface="Times New Roman"/>
+              <a:sym typeface="Times New Roman"/>
+            </a:endParaRPr>
+          </a:p>
+          <a:p>
+            <a:pPr marL="742950" lvl="1" indent="-260350" algn="just" rtl="0">
+              <a:spcBef>
+                <a:spcPts val="0"/>
+              </a:spcBef>
+              <a:spcAft>
+                <a:spcPts val="0"/>
+              </a:spcAft>
+              <a:buClr>
+                <a:srgbClr val="FFFFFF"/>
+              </a:buClr>
+              <a:buSzPts val="1400"/>
+              <a:buFont typeface="Arial"/>
+              <a:buChar char="•"/>
+            </a:pPr>
+            <a:r>
+              <a:rPr lang="en" sz="1400">
+                <a:solidFill>
+                  <a:srgbClr val="FFFFFF"/>
+                </a:solidFill>
+                <a:latin typeface="Calibri"/>
+                <a:ea typeface="Calibri"/>
+                <a:cs typeface="Calibri"/>
+                <a:sym typeface="Calibri"/>
+              </a:rPr>
+              <a:t>Removing outliers</a:t>
+            </a:r>
+            <a:endParaRPr sz="1400">
+              <a:solidFill>
+                <a:srgbClr val="FFFFFF"/>
+              </a:solidFill>
+              <a:latin typeface="Times New Roman"/>
+              <a:ea typeface="Times New Roman"/>
+              <a:cs typeface="Times New Roman"/>
+              <a:sym typeface="Times New Roman"/>
+            </a:endParaRPr>
+          </a:p>
+          <a:p>
+            <a:pPr marL="742950" lvl="1" indent="-260350" algn="just" rtl="0">
+              <a:spcBef>
+                <a:spcPts val="0"/>
+              </a:spcBef>
+              <a:spcAft>
+                <a:spcPts val="0"/>
+              </a:spcAft>
+              <a:buClr>
+                <a:srgbClr val="FFFFFF"/>
+              </a:buClr>
+              <a:buSzPts val="1400"/>
+              <a:buFont typeface="Arial"/>
+              <a:buChar char="•"/>
+            </a:pPr>
+            <a:r>
+              <a:rPr lang="en" sz="1400">
+                <a:solidFill>
+                  <a:srgbClr val="FFFFFF"/>
+                </a:solidFill>
+                <a:latin typeface="Calibri"/>
+                <a:ea typeface="Calibri"/>
+                <a:cs typeface="Calibri"/>
+                <a:sym typeface="Calibri"/>
+              </a:rPr>
+              <a:t>Cleaning data and imputing if null values are present. </a:t>
+            </a:r>
+            <a:endParaRPr sz="1400">
+              <a:solidFill>
+                <a:srgbClr val="FFFFFF"/>
+              </a:solidFill>
+              <a:latin typeface="Times New Roman"/>
+              <a:ea typeface="Times New Roman"/>
+              <a:cs typeface="Times New Roman"/>
+              <a:sym typeface="Times New Roman"/>
+            </a:endParaRPr>
+          </a:p>
+          <a:p>
+            <a:pPr marL="742950" lvl="1" indent="-260350" algn="just" rtl="0">
+              <a:spcBef>
+                <a:spcPts val="0"/>
+              </a:spcBef>
+              <a:spcAft>
+                <a:spcPts val="0"/>
+              </a:spcAft>
+              <a:buClr>
+                <a:srgbClr val="FFFFFF"/>
+              </a:buClr>
+              <a:buSzPts val="1400"/>
+              <a:buFont typeface="Arial"/>
+              <a:buChar char="•"/>
+            </a:pPr>
+            <a:r>
+              <a:rPr lang="en" sz="1400">
+                <a:solidFill>
+                  <a:srgbClr val="FFFFFF"/>
+                </a:solidFill>
+                <a:latin typeface="Calibri"/>
+                <a:ea typeface="Calibri"/>
+                <a:cs typeface="Calibri"/>
+                <a:sym typeface="Calibri"/>
+              </a:rPr>
+              <a:t>Converting categorical data into numeric values.</a:t>
+            </a:r>
+            <a:endParaRPr sz="1400">
+              <a:solidFill>
+                <a:srgbClr val="FFFFFF"/>
+              </a:solidFill>
+              <a:latin typeface="Times New Roman"/>
+              <a:ea typeface="Times New Roman"/>
+              <a:cs typeface="Times New Roman"/>
+              <a:sym typeface="Times New Roman"/>
+            </a:endParaRPr>
+          </a:p>
+          <a:p>
+            <a:pPr marL="742950" lvl="1" indent="-260350" algn="just" rtl="0">
+              <a:spcBef>
+                <a:spcPts val="0"/>
+              </a:spcBef>
+              <a:spcAft>
+                <a:spcPts val="0"/>
+              </a:spcAft>
+              <a:buClr>
+                <a:srgbClr val="FFFFFF"/>
+              </a:buClr>
+              <a:buSzPts val="1400"/>
+              <a:buFont typeface="Arial"/>
+              <a:buChar char="•"/>
+            </a:pPr>
+            <a:r>
+              <a:rPr lang="en" sz="1400">
+                <a:solidFill>
+                  <a:srgbClr val="FFFFFF"/>
+                </a:solidFill>
+                <a:latin typeface="Calibri"/>
+                <a:ea typeface="Calibri"/>
+                <a:cs typeface="Calibri"/>
+                <a:sym typeface="Calibri"/>
+              </a:rPr>
+              <a:t>Scaling the data</a:t>
+            </a:r>
+            <a:endParaRPr sz="1400">
+              <a:solidFill>
+                <a:srgbClr val="FFFFFF"/>
+              </a:solidFill>
+              <a:latin typeface="Calibri"/>
+              <a:ea typeface="Calibri"/>
+              <a:cs typeface="Calibri"/>
+              <a:sym typeface="Calibri"/>
+            </a:endParaRPr>
+          </a:p>
+          <a:p>
+            <a:pPr marL="914400" lvl="0" indent="0" algn="just" rtl="0">
+              <a:spcBef>
+                <a:spcPts val="0"/>
+              </a:spcBef>
+              <a:spcAft>
+                <a:spcPts val="0"/>
+              </a:spcAft>
+              <a:buNone/>
+            </a:pPr>
+            <a:endParaRPr sz="1400">
+              <a:solidFill>
+                <a:srgbClr val="FFFFFF"/>
+              </a:solidFill>
+              <a:latin typeface="Calibri"/>
+              <a:ea typeface="Calibri"/>
+              <a:cs typeface="Calibri"/>
+              <a:sym typeface="Calibri"/>
+            </a:endParaRPr>
+          </a:p>
+          <a:p>
+            <a:pPr marL="0" lvl="0" indent="0" algn="just" rtl="0">
+              <a:spcBef>
+                <a:spcPts val="0"/>
+              </a:spcBef>
+              <a:spcAft>
+                <a:spcPts val="0"/>
+              </a:spcAft>
+              <a:buNone/>
+            </a:pPr>
+            <a:r>
+              <a:rPr lang="en" sz="1400" b="1">
+                <a:solidFill>
+                  <a:srgbClr val="FFFFFF"/>
+                </a:solidFill>
+                <a:latin typeface="Calibri"/>
+                <a:ea typeface="Calibri"/>
+                <a:cs typeface="Calibri"/>
+                <a:sym typeface="Calibri"/>
+              </a:rPr>
+              <a:t>Q 5) How training was done or what models were used?</a:t>
+            </a:r>
+            <a:endParaRPr sz="1400">
               <a:solidFill>
                 <a:srgbClr val="FFFFFF"/>
               </a:solidFill>
@@ -19172,7 +18409,7 @@
               <a:buNone/>
             </a:pPr>
             <a:r>
-              <a:rPr lang="en" sz="1400" dirty="0">
+              <a:rPr lang="en" sz="1400">
                 <a:solidFill>
                   <a:srgbClr val="FFFFFF"/>
                 </a:solidFill>
@@ -19181,95 +18418,22 @@
                 <a:cs typeface="Calibri"/>
                 <a:sym typeface="Calibri"/>
               </a:rPr>
-              <a:t>Ans. The data for training is provided by the client in kaggle:</a:t>
+              <a:t>Before diving the data in training and validation set we performed clustering over fit to divide the data into clusters.</a:t>
             </a:r>
-            <a:endParaRPr sz="1400" dirty="0">
-              <a:solidFill>
-                <a:srgbClr val="FFFFFF"/>
-              </a:solidFill>
-              <a:latin typeface="Calibri"/>
-              <a:ea typeface="Calibri"/>
-              <a:cs typeface="Calibri"/>
-              <a:sym typeface="Calibri"/>
-            </a:endParaRPr>
-          </a:p>
-          <a:p>
-            <a:pPr marL="0" lvl="0" indent="0" algn="just" rtl="0">
-              <a:lnSpc>
-                <a:spcPct val="100000"/>
-              </a:lnSpc>
-              <a:spcBef>
-                <a:spcPts val="0"/>
-              </a:spcBef>
-              <a:spcAft>
-                <a:spcPts val="0"/>
-              </a:spcAft>
-              <a:buNone/>
-            </a:pPr>
             <a:r>
-              <a:rPr lang="en" sz="1400" u="sng" dirty="0">
+              <a:rPr lang="en" sz="1400">
                 <a:solidFill>
                   <a:srgbClr val="FFFFFF"/>
                 </a:solidFill>
-                <a:latin typeface="Calibri"/>
-                <a:ea typeface="Calibri"/>
-                <a:cs typeface="Calibri"/>
-                <a:sym typeface="Calibri"/>
-                <a:hlinkClick r:id="rId3">
-                  <a:extLst>
-                    <a:ext uri="{A12FA001-AC4F-418D-AE19-62706E023703}">
-                      <ahyp:hlinkClr xmlns:ahyp="http://schemas.microsoft.com/office/drawing/2018/hyperlinkcolor" val="tx"/>
-                    </a:ext>
-                  </a:extLst>
-                </a:hlinkClick>
+                <a:latin typeface="Times New Roman"/>
+                <a:ea typeface="Times New Roman"/>
+                <a:cs typeface="Times New Roman"/>
+                <a:sym typeface="Times New Roman"/>
               </a:rPr>
-              <a:t>https://www.kaggle.com/brijbhushannanda1979/bigmart-sales-data</a:t>
+              <a:t> </a:t>
             </a:r>
-            <a:endParaRPr sz="1400" dirty="0">
-              <a:solidFill>
-                <a:srgbClr val="FFFFFF"/>
-              </a:solidFill>
-              <a:latin typeface="Calibri"/>
-              <a:ea typeface="Calibri"/>
-              <a:cs typeface="Calibri"/>
-              <a:sym typeface="Calibri"/>
-            </a:endParaRPr>
-          </a:p>
-          <a:p>
-            <a:pPr marL="0" lvl="0" indent="0" algn="just" rtl="0">
-              <a:lnSpc>
-                <a:spcPct val="100000"/>
-              </a:lnSpc>
-              <a:spcBef>
-                <a:spcPts val="0"/>
-              </a:spcBef>
-              <a:spcAft>
-                <a:spcPts val="0"/>
-              </a:spcAft>
-              <a:buNone/>
-            </a:pPr>
-            <a:endParaRPr sz="1400" dirty="0">
-              <a:solidFill>
-                <a:srgbClr val="FFFFFF"/>
-              </a:solidFill>
-              <a:latin typeface="Calibri"/>
-              <a:ea typeface="Calibri"/>
-              <a:cs typeface="Calibri"/>
-              <a:sym typeface="Calibri"/>
-            </a:endParaRPr>
-          </a:p>
-          <a:p>
-            <a:pPr marL="0" lvl="0" indent="0" algn="just" rtl="0">
-              <a:spcBef>
-                <a:spcPts val="0"/>
-              </a:spcBef>
-              <a:spcAft>
-                <a:spcPts val="0"/>
-              </a:spcAft>
-              <a:buNone/>
-            </a:pPr>
             <a:r>
-              <a:rPr lang="en" sz="1400" b="1" dirty="0">
+              <a:rPr lang="en" sz="1400">
                 <a:solidFill>
                   <a:srgbClr val="FFFFFF"/>
                 </a:solidFill>
@@ -19278,9 +18442,33 @@
                 <a:cs typeface="Calibri"/>
                 <a:sym typeface="Calibri"/>
               </a:rPr>
-              <a:t>Q 2) What was the type of data?</a:t>
+              <a:t>As per cluster the training and validation data were divided.</a:t>
             </a:r>
-            <a:endParaRPr sz="1400" dirty="0">
+            <a:r>
+              <a:rPr lang="en" sz="1400">
+                <a:solidFill>
+                  <a:srgbClr val="FFFFFF"/>
+                </a:solidFill>
+                <a:latin typeface="Times New Roman"/>
+                <a:ea typeface="Times New Roman"/>
+                <a:cs typeface="Times New Roman"/>
+                <a:sym typeface="Times New Roman"/>
+              </a:rPr>
+              <a:t> </a:t>
+            </a:r>
+            <a:r>
+              <a:rPr lang="en" sz="1400">
+                <a:solidFill>
+                  <a:srgbClr val="FFFFFF"/>
+                </a:solidFill>
+                <a:latin typeface="Calibri"/>
+                <a:ea typeface="Calibri"/>
+                <a:cs typeface="Calibri"/>
+                <a:sym typeface="Calibri"/>
+              </a:rPr>
+              <a:t>The scaling was performed over training and validation data</a:t>
+            </a:r>
+            <a:endParaRPr sz="1400">
               <a:solidFill>
                 <a:srgbClr val="FFFFFF"/>
               </a:solidFill>
@@ -19301,7 +18489,7 @@
               <a:buNone/>
             </a:pPr>
             <a:r>
-              <a:rPr lang="en" sz="1400" dirty="0">
+              <a:rPr lang="en" sz="1400">
                 <a:solidFill>
                   <a:srgbClr val="FFFFFF"/>
                 </a:solidFill>
@@ -19310,140 +18498,16 @@
                 <a:cs typeface="Calibri"/>
                 <a:sym typeface="Calibri"/>
               </a:rPr>
-              <a:t>Ans. The data was the combination of numerical and Categorical values.</a:t>
+              <a:t>Algorithms like Linear regression, Gradient boost and Random forest were used .</a:t>
             </a:r>
-            <a:endParaRPr sz="1400" dirty="0">
+            <a:endParaRPr sz="1400">
               <a:solidFill>
                 <a:srgbClr val="FFFFFF"/>
               </a:solidFill>
-              <a:latin typeface="Calibri"/>
-              <a:ea typeface="Calibri"/>
-              <a:cs typeface="Calibri"/>
-              <a:sym typeface="Calibri"/>
-            </a:endParaRPr>
-          </a:p>
-          <a:p>
-            <a:pPr marL="0" lvl="0" indent="0" algn="just" rtl="0">
-              <a:spcBef>
-                <a:spcPts val="0"/>
-              </a:spcBef>
-              <a:spcAft>
-                <a:spcPts val="0"/>
-              </a:spcAft>
-              <a:buNone/>
-            </a:pPr>
-            <a:endParaRPr sz="1400" dirty="0">
-              <a:solidFill>
-                <a:srgbClr val="FFFFFF"/>
-              </a:solidFill>
-              <a:latin typeface="Calibri"/>
-              <a:ea typeface="Calibri"/>
-              <a:cs typeface="Calibri"/>
-              <a:sym typeface="Calibri"/>
-            </a:endParaRPr>
-          </a:p>
-          <a:p>
-            <a:pPr marL="0" lvl="0" indent="0" algn="just" rtl="0">
-              <a:spcBef>
-                <a:spcPts val="0"/>
-              </a:spcBef>
-              <a:spcAft>
-                <a:spcPts val="0"/>
-              </a:spcAft>
-              <a:buNone/>
-            </a:pPr>
-            <a:r>
-              <a:rPr lang="en" sz="1400" b="1" dirty="0">
-                <a:solidFill>
-                  <a:srgbClr val="FFFFFF"/>
-                </a:solidFill>
-                <a:latin typeface="Calibri"/>
-                <a:ea typeface="Calibri"/>
-                <a:cs typeface="Calibri"/>
-                <a:sym typeface="Calibri"/>
-              </a:rPr>
-              <a:t>Q 3) What’s the complete flow you followed in this Project?</a:t>
-            </a:r>
-            <a:endParaRPr sz="1400" dirty="0">
-              <a:solidFill>
-                <a:srgbClr val="FFFFFF"/>
-              </a:solidFill>
-              <a:latin typeface="Times New Roman"/>
-              <a:ea typeface="Times New Roman"/>
-              <a:cs typeface="Times New Roman"/>
-              <a:sym typeface="Times New Roman"/>
-            </a:endParaRPr>
-          </a:p>
-          <a:p>
-            <a:pPr marL="0" lvl="0" indent="0" algn="just" rtl="0">
-              <a:spcBef>
-                <a:spcPts val="0"/>
-              </a:spcBef>
-              <a:spcAft>
-                <a:spcPts val="0"/>
-              </a:spcAft>
-              <a:buNone/>
-            </a:pPr>
-            <a:r>
-              <a:rPr lang="en" sz="1400" dirty="0">
-                <a:solidFill>
-                  <a:srgbClr val="FFFFFF"/>
-                </a:solidFill>
-                <a:latin typeface="Calibri"/>
-                <a:ea typeface="Calibri"/>
-                <a:cs typeface="Calibri"/>
-                <a:sym typeface="Calibri"/>
-              </a:rPr>
-              <a:t>Ans. Refer the Architecture section for this.</a:t>
-            </a:r>
-            <a:endParaRPr sz="1400" dirty="0">
-              <a:solidFill>
-                <a:srgbClr val="FFFFFF"/>
-              </a:solidFill>
-              <a:latin typeface="Calibri"/>
-              <a:ea typeface="Calibri"/>
-              <a:cs typeface="Calibri"/>
-              <a:sym typeface="Calibri"/>
-            </a:endParaRPr>
-          </a:p>
-          <a:p>
-            <a:pPr marL="0" lvl="0" indent="0" algn="just" rtl="0">
-              <a:spcBef>
-                <a:spcPts val="0"/>
-              </a:spcBef>
-              <a:spcAft>
-                <a:spcPts val="0"/>
-              </a:spcAft>
-              <a:buNone/>
-            </a:pPr>
-            <a:endParaRPr sz="1400" dirty="0">
-              <a:solidFill>
-                <a:srgbClr val="FFFFFF"/>
-              </a:solidFill>
-              <a:latin typeface="Calibri"/>
-              <a:ea typeface="Calibri"/>
-              <a:cs typeface="Calibri"/>
-              <a:sym typeface="Calibri"/>
-            </a:endParaRPr>
-          </a:p>
-          <a:p>
-            <a:pPr marL="0" lvl="0" indent="0" algn="just" rtl="0">
-              <a:spcBef>
-                <a:spcPts val="0"/>
-              </a:spcBef>
-              <a:spcAft>
-                <a:spcPts val="0"/>
-              </a:spcAft>
-              <a:buNone/>
-            </a:pPr>
-            <a:endParaRPr sz="1400" dirty="0">
-              <a:solidFill>
-                <a:srgbClr val="FFFFFF"/>
-              </a:solidFill>
-              <a:latin typeface="Calibri"/>
-              <a:ea typeface="Calibri"/>
-              <a:cs typeface="Calibri"/>
-              <a:sym typeface="Calibri"/>
+              <a:latin typeface="Arial"/>
+              <a:ea typeface="Arial"/>
+              <a:cs typeface="Arial"/>
+              <a:sym typeface="Arial"/>
             </a:endParaRPr>
           </a:p>
           <a:p>
@@ -19457,13 +18521,9 @@
               <a:spcAft>
                 <a:spcPts val="0"/>
               </a:spcAft>
-              <a:buClr>
-                <a:srgbClr val="000000"/>
-              </a:buClr>
-              <a:buFont typeface="Arial"/>
               <a:buNone/>
             </a:pPr>
-            <a:endParaRPr sz="1400" dirty="0">
+            <a:endParaRPr sz="1400">
               <a:solidFill>
                 <a:srgbClr val="FFFFFF"/>
               </a:solidFill>
